--- a/MB eindPresentatie.pptx
+++ b/MB eindPresentatie.pptx
@@ -114,6 +114,11 @@
       </a:defRPr>
     </a:lvl9pPr>
   </p:defaultTextStyle>
+  <p:extLst>
+    <p:ext uri="{EFAFB233-063F-42B5-8137-9DF3F51BA10A}">
+      <p15:sldGuideLst xmlns:p15="http://schemas.microsoft.com/office/powerpoint/2012/main"/>
+    </p:ext>
+  </p:extLst>
 </p:presentation>
 </file>
 
@@ -7176,7 +7181,7 @@
           <a:p>
             <a:fld id="{48A87A34-81AB-432B-8DAE-1953F412C126}" type="datetimeFigureOut">
               <a:rPr lang="en-US" dirty="0"/>
-              <a:t>12/25/2023</a:t>
+              <a:t>1/1/2024</a:t>
             </a:fld>
             <a:endParaRPr lang="en-US" dirty="0"/>
           </a:p>
@@ -7458,7 +7463,7 @@
           <a:p>
             <a:fld id="{48A87A34-81AB-432B-8DAE-1953F412C126}" type="datetimeFigureOut">
               <a:rPr lang="en-US" dirty="0"/>
-              <a:t>12/25/2023</a:t>
+              <a:t>1/1/2024</a:t>
             </a:fld>
             <a:endParaRPr lang="en-US" dirty="0"/>
           </a:p>
@@ -7645,7 +7650,7 @@
           <a:p>
             <a:fld id="{48A87A34-81AB-432B-8DAE-1953F412C126}" type="datetimeFigureOut">
               <a:rPr lang="en-US" dirty="0"/>
-              <a:t>12/25/2023</a:t>
+              <a:t>1/1/2024</a:t>
             </a:fld>
             <a:endParaRPr lang="en-US" dirty="0"/>
           </a:p>
@@ -7901,7 +7906,7 @@
           <a:p>
             <a:fld id="{48A87A34-81AB-432B-8DAE-1953F412C126}" type="datetimeFigureOut">
               <a:rPr lang="en-US" dirty="0"/>
-              <a:t>12/25/2023</a:t>
+              <a:t>1/1/2024</a:t>
             </a:fld>
             <a:endParaRPr lang="en-US" dirty="0"/>
           </a:p>
@@ -8320,7 +8325,7 @@
           <a:p>
             <a:fld id="{48A87A34-81AB-432B-8DAE-1953F412C126}" type="datetimeFigureOut">
               <a:rPr lang="en-US" dirty="0"/>
-              <a:t>12/25/2023</a:t>
+              <a:t>1/1/2024</a:t>
             </a:fld>
             <a:endParaRPr lang="en-US" dirty="0"/>
           </a:p>
@@ -8861,7 +8866,7 @@
           <a:p>
             <a:fld id="{48A87A34-81AB-432B-8DAE-1953F412C126}" type="datetimeFigureOut">
               <a:rPr lang="en-US" dirty="0"/>
-              <a:t>12/25/2023</a:t>
+              <a:t>1/1/2024</a:t>
             </a:fld>
             <a:endParaRPr lang="en-US" dirty="0"/>
           </a:p>
@@ -9696,7 +9701,7 @@
           <a:p>
             <a:fld id="{48A87A34-81AB-432B-8DAE-1953F412C126}" type="datetimeFigureOut">
               <a:rPr lang="en-US" dirty="0"/>
-              <a:t>12/25/2023</a:t>
+              <a:t>1/1/2024</a:t>
             </a:fld>
             <a:endParaRPr lang="en-US" dirty="0"/>
           </a:p>
@@ -9861,7 +9866,7 @@
           <a:p>
             <a:fld id="{48A87A34-81AB-432B-8DAE-1953F412C126}" type="datetimeFigureOut">
               <a:rPr lang="en-US" dirty="0"/>
-              <a:t>12/25/2023</a:t>
+              <a:t>1/1/2024</a:t>
             </a:fld>
             <a:endParaRPr lang="en-US" dirty="0"/>
           </a:p>
@@ -10040,7 +10045,7 @@
           <a:p>
             <a:fld id="{48A87A34-81AB-432B-8DAE-1953F412C126}" type="datetimeFigureOut">
               <a:rPr lang="en-US" dirty="0"/>
-              <a:t>12/25/2023</a:t>
+              <a:t>1/1/2024</a:t>
             </a:fld>
             <a:endParaRPr lang="en-US" dirty="0"/>
           </a:p>
@@ -10205,7 +10210,7 @@
           <a:p>
             <a:fld id="{48A87A34-81AB-432B-8DAE-1953F412C126}" type="datetimeFigureOut">
               <a:rPr lang="en-US" dirty="0"/>
-              <a:t>12/25/2023</a:t>
+              <a:t>1/1/2024</a:t>
             </a:fld>
             <a:endParaRPr lang="en-US" dirty="0"/>
           </a:p>
@@ -10448,7 +10453,7 @@
           <a:p>
             <a:fld id="{48A87A34-81AB-432B-8DAE-1953F412C126}" type="datetimeFigureOut">
               <a:rPr lang="en-US" dirty="0"/>
-              <a:t>12/25/2023</a:t>
+              <a:t>1/1/2024</a:t>
             </a:fld>
             <a:endParaRPr lang="en-US" dirty="0"/>
           </a:p>
@@ -10680,7 +10685,7 @@
           <a:p>
             <a:fld id="{48A87A34-81AB-432B-8DAE-1953F412C126}" type="datetimeFigureOut">
               <a:rPr lang="en-US" dirty="0"/>
-              <a:t>12/25/2023</a:t>
+              <a:t>1/1/2024</a:t>
             </a:fld>
             <a:endParaRPr lang="en-US" dirty="0"/>
           </a:p>
@@ -11048,7 +11053,7 @@
           <a:p>
             <a:fld id="{48A87A34-81AB-432B-8DAE-1953F412C126}" type="datetimeFigureOut">
               <a:rPr lang="en-US" dirty="0"/>
-              <a:t>12/25/2023</a:t>
+              <a:t>1/1/2024</a:t>
             </a:fld>
             <a:endParaRPr lang="en-US" dirty="0"/>
           </a:p>
@@ -11161,7 +11166,7 @@
           <a:p>
             <a:fld id="{48A87A34-81AB-432B-8DAE-1953F412C126}" type="datetimeFigureOut">
               <a:rPr lang="en-US" dirty="0"/>
-              <a:t>12/25/2023</a:t>
+              <a:t>1/1/2024</a:t>
             </a:fld>
             <a:endParaRPr lang="en-US" dirty="0"/>
           </a:p>
@@ -11251,7 +11256,7 @@
           <a:p>
             <a:fld id="{48A87A34-81AB-432B-8DAE-1953F412C126}" type="datetimeFigureOut">
               <a:rPr lang="en-US" dirty="0"/>
-              <a:t>12/25/2023</a:t>
+              <a:t>1/1/2024</a:t>
             </a:fld>
             <a:endParaRPr lang="en-US" dirty="0"/>
           </a:p>
@@ -11497,7 +11502,7 @@
           <a:p>
             <a:fld id="{48A87A34-81AB-432B-8DAE-1953F412C126}" type="datetimeFigureOut">
               <a:rPr lang="en-US" dirty="0"/>
-              <a:t>12/25/2023</a:t>
+              <a:t>1/1/2024</a:t>
             </a:fld>
             <a:endParaRPr lang="en-US" dirty="0"/>
           </a:p>
@@ -11779,7 +11784,7 @@
           <a:p>
             <a:fld id="{48A87A34-81AB-432B-8DAE-1953F412C126}" type="datetimeFigureOut">
               <a:rPr lang="en-US" dirty="0"/>
-              <a:t>12/25/2023</a:t>
+              <a:t>1/1/2024</a:t>
             </a:fld>
             <a:endParaRPr lang="en-US" dirty="0"/>
           </a:p>
@@ -11988,7 +11993,7 @@
             <a:fld id="{48A87A34-81AB-432B-8DAE-1953F412C126}" type="datetimeFigureOut">
               <a:rPr lang="en-US" dirty="0"/>
               <a:pPr/>
-              <a:t>12/25/2023</a:t>
+              <a:t>1/1/2024</a:t>
             </a:fld>
             <a:endParaRPr lang="en-US" dirty="0"/>
           </a:p>
@@ -15445,12 +15450,12 @@
           <a:lstStyle/>
           <a:p>
             <a:r>
-              <a:rPr lang="en-BE" dirty="0" err="1"/>
-              <a:t>Sementic</a:t>
+              <a:rPr lang="en-BE"/>
+              <a:t>Semantic </a:t>
             </a:r>
             <a:r>
               <a:rPr lang="en-BE" dirty="0"/>
-              <a:t> analysis</a:t>
+              <a:t>analysis</a:t>
             </a:r>
           </a:p>
         </p:txBody>
